--- a/docs/Flow-E atualizado.pptx
+++ b/docs/Flow-E atualizado.pptx
@@ -6461,7 +6461,7 @@
           <a:p>
             <a:fld id="{F6C40BAB-4BBE-487A-B4EA-F7AA89592A7F}" type="datetimeFigureOut">
               <a:rPr lang="pt-BR" smtClean="0"/>
-              <a:t>13/12/2024</a:t>
+              <a:t>17/12/2024</a:t>
             </a:fld>
             <a:endParaRPr lang="pt-BR"/>
           </a:p>
@@ -6659,7 +6659,7 @@
           <a:p>
             <a:fld id="{F6C40BAB-4BBE-487A-B4EA-F7AA89592A7F}" type="datetimeFigureOut">
               <a:rPr lang="pt-BR" smtClean="0"/>
-              <a:t>13/12/2024</a:t>
+              <a:t>17/12/2024</a:t>
             </a:fld>
             <a:endParaRPr lang="pt-BR"/>
           </a:p>
@@ -6867,7 +6867,7 @@
           <a:p>
             <a:fld id="{F6C40BAB-4BBE-487A-B4EA-F7AA89592A7F}" type="datetimeFigureOut">
               <a:rPr lang="pt-BR" smtClean="0"/>
-              <a:t>13/12/2024</a:t>
+              <a:t>17/12/2024</a:t>
             </a:fld>
             <a:endParaRPr lang="pt-BR"/>
           </a:p>
@@ -7065,7 +7065,7 @@
           <a:p>
             <a:fld id="{F6C40BAB-4BBE-487A-B4EA-F7AA89592A7F}" type="datetimeFigureOut">
               <a:rPr lang="pt-BR" smtClean="0"/>
-              <a:t>13/12/2024</a:t>
+              <a:t>17/12/2024</a:t>
             </a:fld>
             <a:endParaRPr lang="pt-BR"/>
           </a:p>
@@ -7340,7 +7340,7 @@
           <a:p>
             <a:fld id="{F6C40BAB-4BBE-487A-B4EA-F7AA89592A7F}" type="datetimeFigureOut">
               <a:rPr lang="pt-BR" smtClean="0"/>
-              <a:t>13/12/2024</a:t>
+              <a:t>17/12/2024</a:t>
             </a:fld>
             <a:endParaRPr lang="pt-BR"/>
           </a:p>
@@ -7605,7 +7605,7 @@
           <a:p>
             <a:fld id="{F6C40BAB-4BBE-487A-B4EA-F7AA89592A7F}" type="datetimeFigureOut">
               <a:rPr lang="pt-BR" smtClean="0"/>
-              <a:t>13/12/2024</a:t>
+              <a:t>17/12/2024</a:t>
             </a:fld>
             <a:endParaRPr lang="pt-BR"/>
           </a:p>
@@ -8017,7 +8017,7 @@
           <a:p>
             <a:fld id="{F6C40BAB-4BBE-487A-B4EA-F7AA89592A7F}" type="datetimeFigureOut">
               <a:rPr lang="pt-BR" smtClean="0"/>
-              <a:t>13/12/2024</a:t>
+              <a:t>17/12/2024</a:t>
             </a:fld>
             <a:endParaRPr lang="pt-BR"/>
           </a:p>
@@ -8158,7 +8158,7 @@
           <a:p>
             <a:fld id="{F6C40BAB-4BBE-487A-B4EA-F7AA89592A7F}" type="datetimeFigureOut">
               <a:rPr lang="pt-BR" smtClean="0"/>
-              <a:t>13/12/2024</a:t>
+              <a:t>17/12/2024</a:t>
             </a:fld>
             <a:endParaRPr lang="pt-BR"/>
           </a:p>
@@ -8271,7 +8271,7 @@
           <a:p>
             <a:fld id="{F6C40BAB-4BBE-487A-B4EA-F7AA89592A7F}" type="datetimeFigureOut">
               <a:rPr lang="pt-BR" smtClean="0"/>
-              <a:t>13/12/2024</a:t>
+              <a:t>17/12/2024</a:t>
             </a:fld>
             <a:endParaRPr lang="pt-BR"/>
           </a:p>
@@ -8582,7 +8582,7 @@
           <a:p>
             <a:fld id="{F6C40BAB-4BBE-487A-B4EA-F7AA89592A7F}" type="datetimeFigureOut">
               <a:rPr lang="pt-BR" smtClean="0"/>
-              <a:t>13/12/2024</a:t>
+              <a:t>17/12/2024</a:t>
             </a:fld>
             <a:endParaRPr lang="pt-BR"/>
           </a:p>
@@ -8870,7 +8870,7 @@
           <a:p>
             <a:fld id="{F6C40BAB-4BBE-487A-B4EA-F7AA89592A7F}" type="datetimeFigureOut">
               <a:rPr lang="pt-BR" smtClean="0"/>
-              <a:t>13/12/2024</a:t>
+              <a:t>17/12/2024</a:t>
             </a:fld>
             <a:endParaRPr lang="pt-BR"/>
           </a:p>
@@ -9111,7 +9111,7 @@
           <a:p>
             <a:fld id="{F6C40BAB-4BBE-487A-B4EA-F7AA89592A7F}" type="datetimeFigureOut">
               <a:rPr lang="pt-BR" smtClean="0"/>
-              <a:t>13/12/2024</a:t>
+              <a:t>17/12/2024</a:t>
             </a:fld>
             <a:endParaRPr lang="pt-BR"/>
           </a:p>
@@ -9660,7 +9660,7 @@
           <a:p>
             <a:pPr algn="r"/>
             <a:r>
-              <a:rPr lang="en-US" sz="8000" dirty="0">
+              <a:rPr lang="en-US" sz="8000" u="sng" dirty="0">
                 <a:ln w="22225">
                   <a:solidFill>
                     <a:srgbClr val="FFFFFF"/>
@@ -10520,13 +10520,13 @@
   <p:clrMapOvr>
     <a:overrideClrMapping bg1="dk1" tx1="lt1" bg2="dk2" tx2="lt2" accent1="accent1" accent2="accent2" accent3="accent3" accent4="accent4" accent5="accent5" accent6="accent6" hlink="hlink" folHlink="folHlink"/>
   </p:clrMapOvr>
-  <mc:AlternateContent xmlns:mc="http://schemas.openxmlformats.org/markup-compatibility/2006">
-    <mc:Choice xmlns:p14="http://schemas.microsoft.com/office/powerpoint/2010/main" Requires="p14">
+  <mc:AlternateContent xmlns:mc="http://schemas.openxmlformats.org/markup-compatibility/2006" xmlns:p14="http://schemas.microsoft.com/office/powerpoint/2010/main">
+    <mc:Choice Requires="p14">
       <p:transition spd="slow" p14:dur="1500">
         <p:split orient="vert"/>
       </p:transition>
     </mc:Choice>
-    <mc:Fallback>
+    <mc:Fallback xmlns="">
       <p:transition spd="slow">
         <p:split orient="vert"/>
       </p:transition>
@@ -12309,13 +12309,13 @@
   <p:clrMapOvr>
     <a:masterClrMapping/>
   </p:clrMapOvr>
-  <mc:AlternateContent xmlns:mc="http://schemas.openxmlformats.org/markup-compatibility/2006">
-    <mc:Choice xmlns:p14="http://schemas.microsoft.com/office/powerpoint/2010/main" Requires="p14">
+  <mc:AlternateContent xmlns:mc="http://schemas.openxmlformats.org/markup-compatibility/2006" xmlns:p14="http://schemas.microsoft.com/office/powerpoint/2010/main">
+    <mc:Choice Requires="p14">
       <p:transition spd="slow" p14:dur="3400">
         <p14:reveal/>
       </p:transition>
     </mc:Choice>
-    <mc:Fallback>
+    <mc:Fallback xmlns="">
       <p:transition spd="slow">
         <p:fade/>
       </p:transition>
@@ -15435,27 +15435,75 @@
           <a:lstStyle/>
           <a:p>
             <a:r>
-              <a:rPr lang="pt-BR" sz="2000">
+              <a:rPr lang="pt-BR" sz="2000" dirty="0">
                 <a:solidFill>
                   <a:schemeClr val="bg1"/>
                 </a:solidFill>
               </a:rPr>
-              <a:t>Desenvolvimento em React Native (ou outra tecnologia que você tenha usado).</a:t>
+              <a:t>Desenvolvimento em </a:t>
+            </a:r>
+            <a:r>
+              <a:rPr lang="pt-BR" sz="2000" dirty="0" err="1">
+                <a:solidFill>
+                  <a:schemeClr val="bg1"/>
+                </a:solidFill>
+              </a:rPr>
+              <a:t>React</a:t>
+            </a:r>
+            <a:r>
+              <a:rPr lang="pt-BR" sz="2000" dirty="0">
+                <a:solidFill>
+                  <a:schemeClr val="bg1"/>
+                </a:solidFill>
+              </a:rPr>
+              <a:t> </a:t>
+            </a:r>
+            <a:r>
+              <a:rPr lang="pt-BR" sz="2000" dirty="0" err="1">
+                <a:solidFill>
+                  <a:schemeClr val="bg1"/>
+                </a:solidFill>
+              </a:rPr>
+              <a:t>Native</a:t>
+            </a:r>
+            <a:r>
+              <a:rPr lang="pt-BR" sz="2000" dirty="0">
+                <a:solidFill>
+                  <a:schemeClr val="bg1"/>
+                </a:solidFill>
+              </a:rPr>
+              <a:t>.</a:t>
             </a:r>
           </a:p>
           <a:p>
             <a:r>
-              <a:rPr lang="pt-BR" sz="2000">
+              <a:rPr lang="pt-BR" sz="2000" dirty="0">
                 <a:solidFill>
                   <a:schemeClr val="bg1"/>
                 </a:solidFill>
               </a:rPr>
-              <a:t>Back-end em Node.js</a:t>
+              <a:t>Back-</a:t>
+            </a:r>
+            <a:r>
+              <a:rPr lang="pt-BR" sz="2000" dirty="0" err="1">
+                <a:solidFill>
+                  <a:schemeClr val="bg1"/>
+                </a:solidFill>
+              </a:rPr>
+              <a:t>end</a:t>
+            </a:r>
+            <a:r>
+              <a:rPr lang="pt-BR" sz="2000" dirty="0">
+                <a:solidFill>
+                  <a:schemeClr val="bg1"/>
+                </a:solidFill>
+              </a:rPr>
+              <a:t> em Node.js</a:t>
             </a:r>
           </a:p>
           <a:p>
             <a:r>
-              <a:rPr lang="pt-BR" sz="2000">
+              <a:rPr lang="pt-BR" sz="2000" dirty="0">
                 <a:solidFill>
                   <a:schemeClr val="bg1"/>
                 </a:solidFill>
@@ -15465,7 +15513,7 @@
           </a:p>
           <a:p>
             <a:r>
-              <a:rPr lang="pt-BR" sz="2000">
+              <a:rPr lang="pt-BR" sz="2000" dirty="0">
                 <a:solidFill>
                   <a:schemeClr val="bg1"/>
                 </a:solidFill>
@@ -15485,13 +15533,13 @@
   <p:clrMapOvr>
     <a:masterClrMapping/>
   </p:clrMapOvr>
-  <mc:AlternateContent xmlns:mc="http://schemas.openxmlformats.org/markup-compatibility/2006">
-    <mc:Choice xmlns:p14="http://schemas.microsoft.com/office/powerpoint/2010/main" Requires="p14">
+  <mc:AlternateContent xmlns:mc="http://schemas.openxmlformats.org/markup-compatibility/2006" xmlns:p14="http://schemas.microsoft.com/office/powerpoint/2010/main">
+    <mc:Choice Requires="p14">
       <p:transition spd="med" p14:dur="700">
         <p:fade/>
       </p:transition>
     </mc:Choice>
-    <mc:Fallback>
+    <mc:Fallback xmlns="">
       <p:transition spd="med">
         <p:fade/>
       </p:transition>
